--- a/Pipe Dreams.pptx
+++ b/Pipe Dreams.pptx
@@ -5,7 +5,7 @@
     <p:sldMasterId id="2147483660" r:id="rId1"/>
   </p:sldMasterIdLst>
   <p:notesMasterIdLst>
-    <p:notesMasterId r:id="rId8"/>
+    <p:notesMasterId r:id="rId10"/>
   </p:notesMasterIdLst>
   <p:sldIdLst>
     <p:sldId id="256" r:id="rId2"/>
@@ -13,37 +13,39 @@
     <p:sldId id="257" r:id="rId4"/>
     <p:sldId id="259" r:id="rId5"/>
     <p:sldId id="260" r:id="rId6"/>
-    <p:sldId id="261" r:id="rId7"/>
+    <p:sldId id="262" r:id="rId7"/>
+    <p:sldId id="263" r:id="rId8"/>
+    <p:sldId id="261" r:id="rId9"/>
   </p:sldIdLst>
   <p:sldSz cx="12192000" cy="6858000"/>
   <p:notesSz cx="6858000" cy="9144000"/>
   <p:embeddedFontLst>
     <p:embeddedFont>
       <p:font typeface="Calibri" panose="020F0502020204030204" pitchFamily="34" charset="0"/>
-      <p:regular r:id="rId9"/>
-      <p:bold r:id="rId10"/>
-      <p:italic r:id="rId11"/>
-      <p:boldItalic r:id="rId12"/>
+      <p:regular r:id="rId11"/>
+      <p:bold r:id="rId12"/>
+      <p:italic r:id="rId13"/>
+      <p:boldItalic r:id="rId14"/>
     </p:embeddedFont>
     <p:embeddedFont>
       <p:font typeface="Verdana" panose="020B0604030504040204" pitchFamily="34" charset="0"/>
-      <p:regular r:id="rId13"/>
-      <p:bold r:id="rId14"/>
-      <p:italic r:id="rId15"/>
-      <p:boldItalic r:id="rId16"/>
+      <p:regular r:id="rId15"/>
+      <p:bold r:id="rId16"/>
+      <p:italic r:id="rId17"/>
+      <p:boldItalic r:id="rId18"/>
     </p:embeddedFont>
     <p:embeddedFont>
       <p:font typeface="Permanent Marker" panose="020B0604020202020204" charset="0"/>
-      <p:regular r:id="rId17"/>
+      <p:regular r:id="rId19"/>
     </p:embeddedFont>
     <p:embeddedFont>
       <p:font typeface="Average" panose="020B0604020202020204" charset="0"/>
-      <p:regular r:id="rId18"/>
+      <p:regular r:id="rId20"/>
     </p:embeddedFont>
     <p:embeddedFont>
       <p:font typeface="Oswald" panose="020B0604020202020204" charset="0"/>
-      <p:regular r:id="rId19"/>
-      <p:bold r:id="rId20"/>
+      <p:regular r:id="rId21"/>
+      <p:bold r:id="rId22"/>
     </p:embeddedFont>
   </p:embeddedFontLst>
   <p:defaultTextStyle>
@@ -8130,14 +8132,26 @@
           <a:lstStyle/>
           <a:p>
             <a:r>
-              <a:rPr lang="en-US" b="1" dirty="0" smtClean="0"/>
+              <a:rPr lang="en-US" b="1" dirty="0" smtClean="0">
+                <a:solidFill>
+                  <a:schemeClr val="tx1"/>
+                </a:solidFill>
+              </a:rPr>
               <a:t>Matt </a:t>
             </a:r>
             <a:r>
-              <a:rPr lang="en-US" b="1" dirty="0" err="1" smtClean="0"/>
+              <a:rPr lang="en-US" b="1" dirty="0" err="1" smtClean="0">
+                <a:solidFill>
+                  <a:schemeClr val="tx1"/>
+                </a:solidFill>
+              </a:rPr>
               <a:t>Uriam</a:t>
             </a:r>
-            <a:endParaRPr lang="en-US" b="1" dirty="0" smtClean="0"/>
+            <a:endParaRPr lang="en-US" b="1" dirty="0" smtClean="0">
+              <a:solidFill>
+                <a:schemeClr val="tx1"/>
+              </a:solidFill>
+            </a:endParaRPr>
           </a:p>
           <a:p>
             <a:pPr>
@@ -8145,7 +8159,11 @@
               <a:buChar char="-"/>
             </a:pPr>
             <a:r>
-              <a:rPr lang="en-US" dirty="0" smtClean="0"/>
+              <a:rPr lang="en-US" dirty="0" smtClean="0">
+                <a:solidFill>
+                  <a:schemeClr val="tx1"/>
+                </a:solidFill>
+              </a:rPr>
               <a:t>Handlebars</a:t>
             </a:r>
           </a:p>
@@ -8154,11 +8172,19 @@
               <a:buFontTx/>
               <a:buChar char="-"/>
             </a:pPr>
-            <a:endParaRPr lang="en-US" dirty="0" smtClean="0"/>
+            <a:endParaRPr lang="en-US" dirty="0" smtClean="0">
+              <a:solidFill>
+                <a:schemeClr val="tx1"/>
+              </a:solidFill>
+            </a:endParaRPr>
           </a:p>
           <a:p>
             <a:r>
-              <a:rPr lang="en-US" b="1" dirty="0" smtClean="0"/>
+              <a:rPr lang="en-US" b="1" dirty="0" smtClean="0">
+                <a:solidFill>
+                  <a:schemeClr val="tx1"/>
+                </a:solidFill>
+              </a:rPr>
               <a:t>John Phillips</a:t>
             </a:r>
           </a:p>
@@ -8167,7 +8193,11 @@
               <a:buNone/>
             </a:pPr>
             <a:r>
-              <a:rPr lang="en-US" dirty="0" smtClean="0"/>
+              <a:rPr lang="en-US" dirty="0" smtClean="0">
+                <a:solidFill>
+                  <a:schemeClr val="tx1"/>
+                </a:solidFill>
+              </a:rPr>
               <a:t>-MySQL</a:t>
             </a:r>
           </a:p>
@@ -8175,25 +8205,45 @@
             <a:pPr marL="76200" indent="0">
               <a:buNone/>
             </a:pPr>
-            <a:endParaRPr lang="en-US" dirty="0" smtClean="0"/>
+            <a:endParaRPr lang="en-US" dirty="0" smtClean="0">
+              <a:solidFill>
+                <a:schemeClr val="tx1"/>
+              </a:solidFill>
+            </a:endParaRPr>
           </a:p>
           <a:p>
             <a:r>
-              <a:rPr lang="en-US" b="1" dirty="0" smtClean="0"/>
+              <a:rPr lang="en-US" b="1" dirty="0" smtClean="0">
+                <a:solidFill>
+                  <a:schemeClr val="tx1"/>
+                </a:solidFill>
+              </a:rPr>
               <a:t>Matt </a:t>
             </a:r>
             <a:r>
-              <a:rPr lang="en-US" b="1" dirty="0" err="1" smtClean="0"/>
+              <a:rPr lang="en-US" b="1" dirty="0" err="1" smtClean="0">
+                <a:solidFill>
+                  <a:schemeClr val="tx1"/>
+                </a:solidFill>
+              </a:rPr>
               <a:t>Musil</a:t>
             </a:r>
-            <a:endParaRPr lang="en-US" b="1" dirty="0" smtClean="0"/>
+            <a:endParaRPr lang="en-US" b="1" dirty="0" smtClean="0">
+              <a:solidFill>
+                <a:schemeClr val="tx1"/>
+              </a:solidFill>
+            </a:endParaRPr>
           </a:p>
           <a:p>
             <a:pPr marL="76200" indent="0">
               <a:buNone/>
             </a:pPr>
             <a:r>
-              <a:rPr lang="en-US" dirty="0" smtClean="0"/>
+              <a:rPr lang="en-US" dirty="0" smtClean="0">
+                <a:solidFill>
+                  <a:schemeClr val="tx1"/>
+                </a:solidFill>
+              </a:rPr>
               <a:t>-Webcam API</a:t>
             </a:r>
           </a:p>
@@ -8201,11 +8251,19 @@
             <a:pPr marL="76200" indent="0">
               <a:buNone/>
             </a:pPr>
-            <a:endParaRPr lang="en-US" dirty="0" smtClean="0"/>
+            <a:endParaRPr lang="en-US" dirty="0" smtClean="0">
+              <a:solidFill>
+                <a:schemeClr val="tx1"/>
+              </a:solidFill>
+            </a:endParaRPr>
           </a:p>
           <a:p>
             <a:r>
-              <a:rPr lang="en-US" b="1" dirty="0" smtClean="0"/>
+              <a:rPr lang="en-US" b="1" dirty="0" smtClean="0">
+                <a:solidFill>
+                  <a:schemeClr val="tx1"/>
+                </a:solidFill>
+              </a:rPr>
               <a:t>Drew Lauck</a:t>
             </a:r>
           </a:p>
@@ -8214,10 +8272,18 @@
               <a:buNone/>
             </a:pPr>
             <a:r>
-              <a:rPr lang="en-US" dirty="0" smtClean="0"/>
+              <a:rPr lang="en-US" dirty="0" smtClean="0">
+                <a:solidFill>
+                  <a:schemeClr val="tx1"/>
+                </a:solidFill>
+              </a:rPr>
               <a:t>-Passport authentication</a:t>
             </a:r>
-            <a:endParaRPr lang="en-US" dirty="0"/>
+            <a:endParaRPr lang="en-US" dirty="0">
+              <a:solidFill>
+                <a:schemeClr val="tx1"/>
+              </a:solidFill>
+            </a:endParaRPr>
           </a:p>
         </p:txBody>
       </p:sp>
@@ -8235,6 +8301,289 @@
 </file>
 
 <file path=ppt/slides/slide6.xml><?xml version="1.0" encoding="utf-8"?>
+<p:sld xmlns:a="http://schemas.openxmlformats.org/drawingml/2006/main" xmlns:r="http://schemas.openxmlformats.org/officeDocument/2006/relationships" xmlns:p="http://schemas.openxmlformats.org/presentationml/2006/main">
+  <p:cSld>
+    <p:spTree>
+      <p:nvGrpSpPr>
+        <p:cNvPr id="1" name=""/>
+        <p:cNvGrpSpPr/>
+        <p:nvPr/>
+      </p:nvGrpSpPr>
+      <p:grpSpPr>
+        <a:xfrm>
+          <a:off x="0" y="0"/>
+          <a:ext cx="0" cy="0"/>
+          <a:chOff x="0" y="0"/>
+          <a:chExt cx="0" cy="0"/>
+        </a:xfrm>
+      </p:grpSpPr>
+      <p:sp>
+        <p:nvSpPr>
+          <p:cNvPr id="2" name="Title 1"/>
+          <p:cNvSpPr>
+            <a:spLocks noGrp="1"/>
+          </p:cNvSpPr>
+          <p:nvPr>
+            <p:ph type="title"/>
+          </p:nvPr>
+        </p:nvSpPr>
+        <p:spPr>
+          <a:xfrm>
+            <a:off x="276325" y="574597"/>
+            <a:ext cx="11360700" cy="763500"/>
+          </a:xfrm>
+        </p:spPr>
+        <p:txBody>
+          <a:bodyPr/>
+          <a:lstStyle/>
+          <a:p>
+            <a:pPr algn="ctr"/>
+            <a:r>
+              <a:rPr lang="en-US" sz="5400" dirty="0" smtClean="0">
+                <a:latin typeface="Permanent Marker" panose="020B0604020202020204" charset="0"/>
+              </a:rPr>
+              <a:t>Challenges</a:t>
+            </a:r>
+            <a:endParaRPr lang="en-US" sz="5400" dirty="0">
+              <a:latin typeface="Permanent Marker" panose="020B0604020202020204" charset="0"/>
+            </a:endParaRPr>
+          </a:p>
+        </p:txBody>
+      </p:sp>
+      <p:sp>
+        <p:nvSpPr>
+          <p:cNvPr id="3" name="Text Placeholder 2"/>
+          <p:cNvSpPr>
+            <a:spLocks noGrp="1"/>
+          </p:cNvSpPr>
+          <p:nvPr>
+            <p:ph type="body" idx="1"/>
+          </p:nvPr>
+        </p:nvSpPr>
+        <p:spPr/>
+        <p:txBody>
+          <a:bodyPr/>
+          <a:lstStyle/>
+          <a:p>
+            <a:r>
+              <a:rPr lang="en-US" sz="3600" dirty="0" smtClean="0">
+                <a:solidFill>
+                  <a:schemeClr val="tx1"/>
+                </a:solidFill>
+              </a:rPr>
+              <a:t>Passport Authentication</a:t>
+            </a:r>
+          </a:p>
+          <a:p>
+            <a:endParaRPr lang="en-US" sz="3600" dirty="0">
+              <a:solidFill>
+                <a:schemeClr val="tx1"/>
+              </a:solidFill>
+            </a:endParaRPr>
+          </a:p>
+          <a:p>
+            <a:r>
+              <a:rPr lang="en-US" sz="3600" dirty="0" smtClean="0">
+                <a:solidFill>
+                  <a:schemeClr val="tx1"/>
+                </a:solidFill>
+              </a:rPr>
+              <a:t>Webcam API vs. AJAX</a:t>
+            </a:r>
+          </a:p>
+          <a:p>
+            <a:endParaRPr lang="en-US" sz="3600" dirty="0">
+              <a:solidFill>
+                <a:schemeClr val="tx1"/>
+              </a:solidFill>
+            </a:endParaRPr>
+          </a:p>
+          <a:p>
+            <a:r>
+              <a:rPr lang="en-US" sz="3600" dirty="0" smtClean="0">
+                <a:solidFill>
+                  <a:schemeClr val="tx1"/>
+                </a:solidFill>
+              </a:rPr>
+              <a:t>Multiple versions of the project</a:t>
+            </a:r>
+          </a:p>
+          <a:p>
+            <a:endParaRPr lang="en-US" sz="3600" dirty="0">
+              <a:solidFill>
+                <a:schemeClr val="tx1"/>
+              </a:solidFill>
+            </a:endParaRPr>
+          </a:p>
+          <a:p>
+            <a:r>
+              <a:rPr lang="en-US" sz="3600" dirty="0" smtClean="0">
+                <a:solidFill>
+                  <a:schemeClr val="tx1"/>
+                </a:solidFill>
+              </a:rPr>
+              <a:t>Social media integration</a:t>
+            </a:r>
+          </a:p>
+          <a:p>
+            <a:endParaRPr lang="en-US" dirty="0"/>
+          </a:p>
+          <a:p>
+            <a:endParaRPr lang="en-US" dirty="0"/>
+          </a:p>
+        </p:txBody>
+      </p:sp>
+    </p:spTree>
+    <p:extLst>
+      <p:ext uri="{BB962C8B-B14F-4D97-AF65-F5344CB8AC3E}">
+        <p14:creationId xmlns:p14="http://schemas.microsoft.com/office/powerpoint/2010/main" val="2862357085"/>
+      </p:ext>
+    </p:extLst>
+  </p:cSld>
+  <p:clrMapOvr>
+    <a:masterClrMapping/>
+  </p:clrMapOvr>
+</p:sld>
+</file>
+
+<file path=ppt/slides/slide7.xml><?xml version="1.0" encoding="utf-8"?>
+<p:sld xmlns:a="http://schemas.openxmlformats.org/drawingml/2006/main" xmlns:r="http://schemas.openxmlformats.org/officeDocument/2006/relationships" xmlns:p="http://schemas.openxmlformats.org/presentationml/2006/main">
+  <p:cSld>
+    <p:spTree>
+      <p:nvGrpSpPr>
+        <p:cNvPr id="1" name=""/>
+        <p:cNvGrpSpPr/>
+        <p:nvPr/>
+      </p:nvGrpSpPr>
+      <p:grpSpPr>
+        <a:xfrm>
+          <a:off x="0" y="0"/>
+          <a:ext cx="0" cy="0"/>
+          <a:chOff x="0" y="0"/>
+          <a:chExt cx="0" cy="0"/>
+        </a:xfrm>
+      </p:grpSpPr>
+      <p:sp>
+        <p:nvSpPr>
+          <p:cNvPr id="2" name="Title 1"/>
+          <p:cNvSpPr>
+            <a:spLocks noGrp="1"/>
+          </p:cNvSpPr>
+          <p:nvPr>
+            <p:ph type="title"/>
+          </p:nvPr>
+        </p:nvSpPr>
+        <p:spPr/>
+        <p:txBody>
+          <a:bodyPr/>
+          <a:lstStyle/>
+          <a:p>
+            <a:pPr algn="ctr"/>
+            <a:r>
+              <a:rPr lang="en-US" sz="4800" dirty="0" smtClean="0">
+                <a:latin typeface="Permanent Marker" panose="020B0604020202020204" charset="0"/>
+              </a:rPr>
+              <a:t>Future Development</a:t>
+            </a:r>
+            <a:endParaRPr lang="en-US" sz="4800" dirty="0">
+              <a:latin typeface="Permanent Marker" panose="020B0604020202020204" charset="0"/>
+            </a:endParaRPr>
+          </a:p>
+        </p:txBody>
+      </p:sp>
+      <p:sp>
+        <p:nvSpPr>
+          <p:cNvPr id="3" name="Text Placeholder 2"/>
+          <p:cNvSpPr>
+            <a:spLocks noGrp="1"/>
+          </p:cNvSpPr>
+          <p:nvPr>
+            <p:ph type="body" idx="1"/>
+          </p:nvPr>
+        </p:nvSpPr>
+        <p:spPr/>
+        <p:txBody>
+          <a:bodyPr/>
+          <a:lstStyle/>
+          <a:p>
+            <a:r>
+              <a:rPr lang="en-US" sz="3200" dirty="0" smtClean="0">
+                <a:solidFill>
+                  <a:schemeClr val="tx1"/>
+                </a:solidFill>
+              </a:rPr>
+              <a:t>Completely implement user authentication with passport</a:t>
+            </a:r>
+          </a:p>
+          <a:p>
+            <a:r>
+              <a:rPr lang="en-US" sz="3200" dirty="0" smtClean="0">
+                <a:solidFill>
+                  <a:schemeClr val="tx1"/>
+                </a:solidFill>
+              </a:rPr>
+              <a:t>Add user profiles</a:t>
+            </a:r>
+          </a:p>
+          <a:p>
+            <a:r>
+              <a:rPr lang="en-US" sz="3200" dirty="0" smtClean="0">
+                <a:solidFill>
+                  <a:schemeClr val="tx1"/>
+                </a:solidFill>
+              </a:rPr>
+              <a:t>Integrate social media</a:t>
+            </a:r>
+          </a:p>
+          <a:p>
+            <a:r>
+              <a:rPr lang="en-US" sz="3200" dirty="0" smtClean="0">
+                <a:solidFill>
+                  <a:schemeClr val="tx1"/>
+                </a:solidFill>
+              </a:rPr>
+              <a:t>Using GPS location to ping where the best spots are</a:t>
+            </a:r>
+          </a:p>
+          <a:p>
+            <a:r>
+              <a:rPr lang="en-US" sz="3200" dirty="0" smtClean="0">
+                <a:solidFill>
+                  <a:schemeClr val="tx1"/>
+                </a:solidFill>
+              </a:rPr>
+              <a:t>Allow users to vote on posts so our app can highlight certain posts that are popular</a:t>
+            </a:r>
+            <a:r>
+              <a:rPr lang="en-US" sz="3200" smtClean="0">
+                <a:solidFill>
+                  <a:schemeClr val="tx1"/>
+                </a:solidFill>
+              </a:rPr>
+              <a:t>, similar to Reddit.</a:t>
+            </a:r>
+            <a:endParaRPr lang="en-US" sz="3200" dirty="0">
+              <a:solidFill>
+                <a:schemeClr val="tx1"/>
+              </a:solidFill>
+            </a:endParaRPr>
+          </a:p>
+        </p:txBody>
+      </p:sp>
+    </p:spTree>
+    <p:extLst>
+      <p:ext uri="{BB962C8B-B14F-4D97-AF65-F5344CB8AC3E}">
+        <p14:creationId xmlns:p14="http://schemas.microsoft.com/office/powerpoint/2010/main" val="3127555952"/>
+      </p:ext>
+    </p:extLst>
+  </p:cSld>
+  <p:clrMapOvr>
+    <a:masterClrMapping/>
+  </p:clrMapOvr>
+</p:sld>
+</file>
+
+<file path=ppt/slides/slide8.xml><?xml version="1.0" encoding="utf-8"?>
 <p:sld xmlns:a="http://schemas.openxmlformats.org/drawingml/2006/main" xmlns:r="http://schemas.openxmlformats.org/officeDocument/2006/relationships" xmlns:p="http://schemas.openxmlformats.org/presentationml/2006/main">
   <p:cSld>
     <p:spTree>
